--- a/Slides/Module 02.1 Requirements Analysis.pptx
+++ b/Slides/Module 02.1 Requirements Analysis.pptx
@@ -9502,7 +9502,7 @@
             </a:pPr>
             <a:r>
               <a:rPr lang="en-US" sz="2400" dirty="0"/>
-              <a:t>Adeel Bhutta, Mitch Wand, Rob Simmons</a:t>
+              <a:t>Adeel Bhutta, Rob Simmons, and Mitch Wand</a:t>
             </a:r>
           </a:p>
           <a:p>
@@ -9584,7 +9584,7 @@
                   <a:srgbClr val="5C5962"/>
                 </a:solidFill>
               </a:rPr>
-              <a:t>© 2025 Released under the </a:t>
+              <a:t>© 2026 Released under the </a:t>
             </a:r>
             <a:r>
               <a:rPr lang="en-US" dirty="0">

--- a/Slides/Module 02.1 Requirements Analysis.pptx
+++ b/Slides/Module 02.1 Requirements Analysis.pptx
@@ -5,7 +5,7 @@
     <p:sldMasterId id="2147483648" r:id="rId1"/>
   </p:sldMasterIdLst>
   <p:notesMasterIdLst>
-    <p:notesMasterId r:id="rId16"/>
+    <p:notesMasterId r:id="rId15"/>
   </p:notesMasterIdLst>
   <p:sldIdLst>
     <p:sldId id="485" r:id="rId2"/>
@@ -16,22 +16,21 @@
     <p:sldId id="351" r:id="rId7"/>
     <p:sldId id="531" r:id="rId8"/>
     <p:sldId id="532" r:id="rId9"/>
-    <p:sldId id="582" r:id="rId10"/>
-    <p:sldId id="602" r:id="rId11"/>
-    <p:sldId id="567" r:id="rId12"/>
-    <p:sldId id="603" r:id="rId13"/>
-    <p:sldId id="556" r:id="rId14"/>
-    <p:sldId id="601" r:id="rId15"/>
+    <p:sldId id="567" r:id="rId10"/>
+    <p:sldId id="582" r:id="rId11"/>
+    <p:sldId id="603" r:id="rId12"/>
+    <p:sldId id="556" r:id="rId13"/>
+    <p:sldId id="601" r:id="rId14"/>
   </p:sldIdLst>
   <p:sldSz cx="12192000" cy="6858000"/>
   <p:notesSz cx="6858000" cy="9144000"/>
   <p:embeddedFontLst>
     <p:embeddedFont>
       <p:font typeface="Verdana" panose="020B0604030504040204" pitchFamily="34" charset="0"/>
-      <p:regular r:id="rId17"/>
-      <p:bold r:id="rId18"/>
-      <p:italic r:id="rId19"/>
-      <p:boldItalic r:id="rId20"/>
+      <p:regular r:id="rId16"/>
+      <p:bold r:id="rId17"/>
+      <p:italic r:id="rId18"/>
+      <p:boldItalic r:id="rId19"/>
     </p:embeddedFont>
   </p:embeddedFontLst>
   <p:defaultTextStyle>
@@ -142,9 +141,8 @@
             <p14:sldId id="351"/>
             <p14:sldId id="531"/>
             <p14:sldId id="532"/>
+            <p14:sldId id="567"/>
             <p14:sldId id="582"/>
-            <p14:sldId id="602"/>
-            <p14:sldId id="567"/>
             <p14:sldId id="603"/>
             <p14:sldId id="556"/>
             <p14:sldId id="601"/>
@@ -3653,7 +3651,7 @@
           <a:p>
             <a:fld id="{7C7E5181-6CF5-45F7-A87A-E0E0B1FD7549}" type="datetimeFigureOut">
               <a:rPr lang="en-US" smtClean="0"/>
-              <a:t>12/30/25</a:t>
+              <a:t>1/1/26</a:t>
             </a:fld>
             <a:endParaRPr lang="en-US"/>
           </a:p>
@@ -4012,7 +4010,7 @@
         <p:cNvPr id="1" name="">
           <a:extLst>
             <a:ext uri="{FF2B5EF4-FFF2-40B4-BE49-F238E27FC236}">
-              <a16:creationId xmlns:a16="http://schemas.microsoft.com/office/drawing/2014/main" id="{EE90FB39-CDB2-9CD9-EC72-D0CAA7B974CA}"/>
+              <a16:creationId xmlns:a16="http://schemas.microsoft.com/office/drawing/2014/main" id="{EA4E489E-B39A-05BA-EC2E-B555AA53BC1D}"/>
             </a:ext>
           </a:extLst>
         </p:cNvPr>
@@ -4032,7 +4030,7 @@
           <p:cNvPr id="2" name="Slide Image Placeholder 1">
             <a:extLst>
               <a:ext uri="{FF2B5EF4-FFF2-40B4-BE49-F238E27FC236}">
-                <a16:creationId xmlns:a16="http://schemas.microsoft.com/office/drawing/2014/main" id="{780D8AD2-9C77-486C-981B-C085E00FE65B}"/>
+                <a16:creationId xmlns:a16="http://schemas.microsoft.com/office/drawing/2014/main" id="{3002EC99-460D-10A4-73A1-61B872F46193}"/>
               </a:ext>
             </a:extLst>
           </p:cNvPr>
@@ -4050,7 +4048,7 @@
           <p:cNvPr id="3" name="Notes Placeholder 2">
             <a:extLst>
               <a:ext uri="{FF2B5EF4-FFF2-40B4-BE49-F238E27FC236}">
-                <a16:creationId xmlns:a16="http://schemas.microsoft.com/office/drawing/2014/main" id="{25396A91-FA39-6F6A-370C-C3438ACBF76C}"/>
+                <a16:creationId xmlns:a16="http://schemas.microsoft.com/office/drawing/2014/main" id="{8938B59E-9564-33A6-8B94-B366DE31DFDA}"/>
               </a:ext>
             </a:extLst>
           </p:cNvPr>
@@ -4066,7 +4064,10 @@
           <a:bodyPr/>
           <a:lstStyle/>
           <a:p>
-            <a:endParaRPr lang="en-US" dirty="0"/>
+            <a:r>
+              <a:rPr lang="en-US" dirty="0"/>
+              <a:t>.</a:t>
+            </a:r>
           </a:p>
         </p:txBody>
       </p:sp>
@@ -4075,7 +4076,7 @@
           <p:cNvPr id="4" name="Slide Number Placeholder 3">
             <a:extLst>
               <a:ext uri="{FF2B5EF4-FFF2-40B4-BE49-F238E27FC236}">
-                <a16:creationId xmlns:a16="http://schemas.microsoft.com/office/drawing/2014/main" id="{4F4F87C0-2884-DED3-0016-14956E227704}"/>
+                <a16:creationId xmlns:a16="http://schemas.microsoft.com/office/drawing/2014/main" id="{FD59EE5F-ABC6-656D-3DA2-ED662B399DB7}"/>
               </a:ext>
             </a:extLst>
           </p:cNvPr>
@@ -4102,7 +4103,7 @@
     </p:spTree>
     <p:extLst>
       <p:ext uri="{BB962C8B-B14F-4D97-AF65-F5344CB8AC3E}">
-        <p14:creationId xmlns:p14="http://schemas.microsoft.com/office/powerpoint/2010/main" val="2722745887"/>
+        <p14:creationId xmlns:p14="http://schemas.microsoft.com/office/powerpoint/2010/main" val="2347795349"/>
       </p:ext>
     </p:extLst>
   </p:cSld>
@@ -4174,7 +4175,40 @@
           <a:bodyPr/>
           <a:lstStyle/>
           <a:p>
-            <a:endParaRPr lang="en-US" dirty="0"/>
+            <a:r>
+              <a:rPr lang="en-US" dirty="0"/>
+              <a:t>The process of VSD includes three kinds of investigations:</a:t>
+            </a:r>
+          </a:p>
+          <a:p>
+            <a:pPr marL="171450" indent="-171450">
+              <a:buFontTx/>
+              <a:buChar char="-"/>
+            </a:pPr>
+            <a:r>
+              <a:rPr lang="en-US" dirty="0"/>
+              <a:t>Empirical: This is about understanding how the value works in real life based on observations made in the field or from life experiences.</a:t>
+            </a:r>
+          </a:p>
+          <a:p>
+            <a:pPr marL="171450" indent="-171450">
+              <a:buFontTx/>
+              <a:buChar char="-"/>
+            </a:pPr>
+            <a:r>
+              <a:rPr lang="en-US" dirty="0"/>
+              <a:t>Value: Involves identifying stakeholders, thinking about their goals and values and then finally resolving the value tensions arising from conflicting interests of stakeholders.</a:t>
+            </a:r>
+          </a:p>
+          <a:p>
+            <a:pPr marL="171450" indent="-171450">
+              <a:buFontTx/>
+              <a:buChar char="-"/>
+            </a:pPr>
+            <a:r>
+              <a:rPr lang="en-US" dirty="0"/>
+              <a:t>Technical: The technical feasibility of implementing the solutions.</a:t>
+            </a:r>
           </a:p>
         </p:txBody>
       </p:sp>
@@ -4221,147 +4255,6 @@
 </file>
 
 <file path=ppt/notesSlides/notesSlide12.xml><?xml version="1.0" encoding="utf-8"?>
-<p:notes xmlns:a="http://schemas.openxmlformats.org/drawingml/2006/main" xmlns:r="http://schemas.openxmlformats.org/officeDocument/2006/relationships" xmlns:p="http://schemas.openxmlformats.org/presentationml/2006/main">
-  <p:cSld>
-    <p:spTree>
-      <p:nvGrpSpPr>
-        <p:cNvPr id="1" name="">
-          <a:extLst>
-            <a:ext uri="{FF2B5EF4-FFF2-40B4-BE49-F238E27FC236}">
-              <a16:creationId xmlns:a16="http://schemas.microsoft.com/office/drawing/2014/main" id="{EBCBE2D2-B91E-ED24-3431-74ABB99CA497}"/>
-            </a:ext>
-          </a:extLst>
-        </p:cNvPr>
-        <p:cNvGrpSpPr/>
-        <p:nvPr/>
-      </p:nvGrpSpPr>
-      <p:grpSpPr>
-        <a:xfrm>
-          <a:off x="0" y="0"/>
-          <a:ext cx="0" cy="0"/>
-          <a:chOff x="0" y="0"/>
-          <a:chExt cx="0" cy="0"/>
-        </a:xfrm>
-      </p:grpSpPr>
-      <p:sp>
-        <p:nvSpPr>
-          <p:cNvPr id="2" name="Slide Image Placeholder 1">
-            <a:extLst>
-              <a:ext uri="{FF2B5EF4-FFF2-40B4-BE49-F238E27FC236}">
-                <a16:creationId xmlns:a16="http://schemas.microsoft.com/office/drawing/2014/main" id="{2E4716A8-CAA9-9575-5A22-650474490BC1}"/>
-              </a:ext>
-            </a:extLst>
-          </p:cNvPr>
-          <p:cNvSpPr>
-            <a:spLocks noGrp="1" noRot="1" noChangeAspect="1"/>
-          </p:cNvSpPr>
-          <p:nvPr>
-            <p:ph type="sldImg"/>
-          </p:nvPr>
-        </p:nvSpPr>
-        <p:spPr/>
-      </p:sp>
-      <p:sp>
-        <p:nvSpPr>
-          <p:cNvPr id="3" name="Notes Placeholder 2">
-            <a:extLst>
-              <a:ext uri="{FF2B5EF4-FFF2-40B4-BE49-F238E27FC236}">
-                <a16:creationId xmlns:a16="http://schemas.microsoft.com/office/drawing/2014/main" id="{421244D3-BD81-BDCA-0720-0D4D20CEBB33}"/>
-              </a:ext>
-            </a:extLst>
-          </p:cNvPr>
-          <p:cNvSpPr>
-            <a:spLocks noGrp="1"/>
-          </p:cNvSpPr>
-          <p:nvPr>
-            <p:ph type="body" idx="1"/>
-          </p:nvPr>
-        </p:nvSpPr>
-        <p:spPr/>
-        <p:txBody>
-          <a:bodyPr/>
-          <a:lstStyle/>
-          <a:p>
-            <a:r>
-              <a:rPr lang="en-US" dirty="0"/>
-              <a:t>The process of VSD includes three kinds of investigations:</a:t>
-            </a:r>
-          </a:p>
-          <a:p>
-            <a:pPr marL="171450" indent="-171450">
-              <a:buFontTx/>
-              <a:buChar char="-"/>
-            </a:pPr>
-            <a:r>
-              <a:rPr lang="en-US" dirty="0"/>
-              <a:t>Empirical: This is about understanding how the value works in real life based on observations made in the field or from life experiences.</a:t>
-            </a:r>
-          </a:p>
-          <a:p>
-            <a:pPr marL="171450" indent="-171450">
-              <a:buFontTx/>
-              <a:buChar char="-"/>
-            </a:pPr>
-            <a:r>
-              <a:rPr lang="en-US" dirty="0"/>
-              <a:t>Value: Involves identifying stakeholders, thinking about their goals and values and then finally resolving the value tensions arising from conflicting interests of stakeholders.</a:t>
-            </a:r>
-          </a:p>
-          <a:p>
-            <a:pPr marL="171450" indent="-171450">
-              <a:buFontTx/>
-              <a:buChar char="-"/>
-            </a:pPr>
-            <a:r>
-              <a:rPr lang="en-US" dirty="0"/>
-              <a:t>Technical: The technical feasibility of implementing the solutions.</a:t>
-            </a:r>
-          </a:p>
-        </p:txBody>
-      </p:sp>
-      <p:sp>
-        <p:nvSpPr>
-          <p:cNvPr id="4" name="Slide Number Placeholder 3">
-            <a:extLst>
-              <a:ext uri="{FF2B5EF4-FFF2-40B4-BE49-F238E27FC236}">
-                <a16:creationId xmlns:a16="http://schemas.microsoft.com/office/drawing/2014/main" id="{0F361E51-9069-F754-8121-B1692D3FC712}"/>
-              </a:ext>
-            </a:extLst>
-          </p:cNvPr>
-          <p:cNvSpPr>
-            <a:spLocks noGrp="1"/>
-          </p:cNvSpPr>
-          <p:nvPr>
-            <p:ph type="sldNum" sz="quarter" idx="5"/>
-          </p:nvPr>
-        </p:nvSpPr>
-        <p:spPr/>
-        <p:txBody>
-          <a:bodyPr/>
-          <a:lstStyle/>
-          <a:p>
-            <a:fld id="{07937F07-1250-4CCE-B198-1B2887014F41}" type="slidenum">
-              <a:rPr lang="en-US" smtClean="0"/>
-              <a:t>12</a:t>
-            </a:fld>
-            <a:endParaRPr lang="en-US"/>
-          </a:p>
-        </p:txBody>
-      </p:sp>
-    </p:spTree>
-    <p:extLst>
-      <p:ext uri="{BB962C8B-B14F-4D97-AF65-F5344CB8AC3E}">
-        <p14:creationId xmlns:p14="http://schemas.microsoft.com/office/powerpoint/2010/main" val="3854360709"/>
-      </p:ext>
-    </p:extLst>
-  </p:cSld>
-  <p:clrMapOvr>
-    <a:masterClrMapping/>
-  </p:clrMapOvr>
-</p:notes>
-</file>
-
-<file path=ppt/notesSlides/notesSlide13.xml><?xml version="1.0" encoding="utf-8"?>
 <p:notes xmlns:a="http://schemas.openxmlformats.org/drawingml/2006/main" xmlns:r="http://schemas.openxmlformats.org/officeDocument/2006/relationships" xmlns:p="http://schemas.openxmlformats.org/presentationml/2006/main">
   <p:cSld>
     <p:spTree>
@@ -4467,7 +4360,7 @@
           <a:p>
             <a:fld id="{07937F07-1250-4CCE-B198-1B2887014F41}" type="slidenum">
               <a:rPr lang="en-US" smtClean="0"/>
-              <a:t>13</a:t>
+              <a:t>12</a:t>
             </a:fld>
             <a:endParaRPr lang="en-US"/>
           </a:p>
@@ -4486,7 +4379,7 @@
 </p:notes>
 </file>
 
-<file path=ppt/notesSlides/notesSlide14.xml><?xml version="1.0" encoding="utf-8"?>
+<file path=ppt/notesSlides/notesSlide13.xml><?xml version="1.0" encoding="utf-8"?>
 <p:notes xmlns:a="http://schemas.openxmlformats.org/drawingml/2006/main" xmlns:r="http://schemas.openxmlformats.org/officeDocument/2006/relationships" xmlns:p="http://schemas.openxmlformats.org/presentationml/2006/main">
   <p:cSld>
     <p:spTree>
@@ -4634,7 +4527,7 @@
           <a:p>
             <a:fld id="{07937F07-1250-4CCE-B198-1B2887014F41}" type="slidenum">
               <a:rPr lang="en-US" smtClean="0"/>
-              <a:t>14</a:t>
+              <a:t>13</a:t>
             </a:fld>
             <a:endParaRPr lang="en-US"/>
           </a:p>
@@ -5670,7 +5563,7 @@
         <p:cNvPr id="1" name="">
           <a:extLst>
             <a:ext uri="{FF2B5EF4-FFF2-40B4-BE49-F238E27FC236}">
-              <a16:creationId xmlns:a16="http://schemas.microsoft.com/office/drawing/2014/main" id="{EA4E489E-B39A-05BA-EC2E-B555AA53BC1D}"/>
+              <a16:creationId xmlns:a16="http://schemas.microsoft.com/office/drawing/2014/main" id="{EBCBE2D2-B91E-ED24-3431-74ABB99CA497}"/>
             </a:ext>
           </a:extLst>
         </p:cNvPr>
@@ -5690,7 +5583,7 @@
           <p:cNvPr id="2" name="Slide Image Placeholder 1">
             <a:extLst>
               <a:ext uri="{FF2B5EF4-FFF2-40B4-BE49-F238E27FC236}">
-                <a16:creationId xmlns:a16="http://schemas.microsoft.com/office/drawing/2014/main" id="{3002EC99-460D-10A4-73A1-61B872F46193}"/>
+                <a16:creationId xmlns:a16="http://schemas.microsoft.com/office/drawing/2014/main" id="{2E4716A8-CAA9-9575-5A22-650474490BC1}"/>
               </a:ext>
             </a:extLst>
           </p:cNvPr>
@@ -5708,7 +5601,7 @@
           <p:cNvPr id="3" name="Notes Placeholder 2">
             <a:extLst>
               <a:ext uri="{FF2B5EF4-FFF2-40B4-BE49-F238E27FC236}">
-                <a16:creationId xmlns:a16="http://schemas.microsoft.com/office/drawing/2014/main" id="{8938B59E-9564-33A6-8B94-B366DE31DFDA}"/>
+                <a16:creationId xmlns:a16="http://schemas.microsoft.com/office/drawing/2014/main" id="{421244D3-BD81-BDCA-0720-0D4D20CEBB33}"/>
               </a:ext>
             </a:extLst>
           </p:cNvPr>
@@ -5724,10 +5617,7 @@
           <a:bodyPr/>
           <a:lstStyle/>
           <a:p>
-            <a:r>
-              <a:rPr lang="en-US" dirty="0"/>
-              <a:t>.</a:t>
-            </a:r>
+            <a:endParaRPr lang="en-US" dirty="0"/>
           </a:p>
         </p:txBody>
       </p:sp>
@@ -5736,7 +5626,7 @@
           <p:cNvPr id="4" name="Slide Number Placeholder 3">
             <a:extLst>
               <a:ext uri="{FF2B5EF4-FFF2-40B4-BE49-F238E27FC236}">
-                <a16:creationId xmlns:a16="http://schemas.microsoft.com/office/drawing/2014/main" id="{FD59EE5F-ABC6-656D-3DA2-ED662B399DB7}"/>
+                <a16:creationId xmlns:a16="http://schemas.microsoft.com/office/drawing/2014/main" id="{0F361E51-9069-F754-8121-B1692D3FC712}"/>
               </a:ext>
             </a:extLst>
           </p:cNvPr>
@@ -5763,7 +5653,7 @@
     </p:spTree>
     <p:extLst>
       <p:ext uri="{BB962C8B-B14F-4D97-AF65-F5344CB8AC3E}">
-        <p14:creationId xmlns:p14="http://schemas.microsoft.com/office/powerpoint/2010/main" val="2347795349"/>
+        <p14:creationId xmlns:p14="http://schemas.microsoft.com/office/powerpoint/2010/main" val="3854360709"/>
       </p:ext>
     </p:extLst>
   </p:cSld>
@@ -5927,7 +5817,7 @@
           <a:p>
             <a:fld id="{5D2A64DE-480B-420F-9649-4F8E696E08E0}" type="datetime1">
               <a:rPr lang="en-US" smtClean="0"/>
-              <a:t>12/30/25</a:t>
+              <a:t>1/1/26</a:t>
             </a:fld>
             <a:endParaRPr lang="en-US"/>
           </a:p>
@@ -6251,7 +6141,7 @@
           <a:p>
             <a:fld id="{EA476A42-A091-4468-A075-64A31BE59948}" type="datetime1">
               <a:rPr lang="en-US" smtClean="0"/>
-              <a:t>12/30/25</a:t>
+              <a:t>1/1/26</a:t>
             </a:fld>
             <a:endParaRPr lang="en-US"/>
           </a:p>
@@ -6449,7 +6339,7 @@
           <a:p>
             <a:fld id="{0D3616D0-8311-4107-9726-6B805E7D05BA}" type="datetime1">
               <a:rPr lang="en-US" smtClean="0"/>
-              <a:t>12/30/25</a:t>
+              <a:t>1/1/26</a:t>
             </a:fld>
             <a:endParaRPr lang="en-US"/>
           </a:p>
@@ -6657,7 +6547,7 @@
           <a:p>
             <a:fld id="{3BC2557A-5C88-417A-A763-5AC779462A5F}" type="datetime1">
               <a:rPr lang="en-US" smtClean="0"/>
-              <a:t>12/30/25</a:t>
+              <a:t>1/1/26</a:t>
             </a:fld>
             <a:endParaRPr lang="en-US"/>
           </a:p>
@@ -7079,7 +6969,7 @@
           <a:p>
             <a:fld id="{07C7BFD4-467E-4EDE-93EA-052F5B39A4E5}" type="datetime1">
               <a:rPr lang="en-US" smtClean="0"/>
-              <a:t>12/30/25</a:t>
+              <a:t>1/1/26</a:t>
             </a:fld>
             <a:endParaRPr lang="en-US"/>
           </a:p>
@@ -7329,7 +7219,7 @@
           <a:p>
             <a:fld id="{07C7BFD4-467E-4EDE-93EA-052F5B39A4E5}" type="datetime1">
               <a:rPr lang="en-US" smtClean="0"/>
-              <a:t>12/30/25</a:t>
+              <a:t>1/1/26</a:t>
             </a:fld>
             <a:endParaRPr lang="en-US"/>
           </a:p>
@@ -7511,7 +7401,7 @@
           <a:p>
             <a:fld id="{109E55A0-C911-4F03-82FC-7E5926047D46}" type="datetime1">
               <a:rPr lang="en-US" smtClean="0"/>
-              <a:t>12/30/25</a:t>
+              <a:t>1/1/26</a:t>
             </a:fld>
             <a:endParaRPr lang="en-US"/>
           </a:p>
@@ -7824,7 +7714,7 @@
           <a:p>
             <a:fld id="{A533CBE2-D5BE-47AC-ADC2-9CDFC1D0CF90}" type="datetime1">
               <a:rPr lang="en-US" smtClean="0"/>
-              <a:t>12/30/25</a:t>
+              <a:t>1/1/26</a:t>
             </a:fld>
             <a:endParaRPr lang="en-US"/>
           </a:p>
@@ -8125,7 +8015,7 @@
           <a:p>
             <a:fld id="{39B7EDB1-CE74-4951-85A2-0B01C2128E28}" type="datetime1">
               <a:rPr lang="en-US" smtClean="0"/>
-              <a:t>12/30/25</a:t>
+              <a:t>1/1/26</a:t>
             </a:fld>
             <a:endParaRPr lang="en-US"/>
           </a:p>
@@ -8573,7 +8463,7 @@
           <a:p>
             <a:fld id="{2BC7EB92-A5C2-4807-A9DC-9EDE6CBFB241}" type="datetime1">
               <a:rPr lang="en-US" smtClean="0"/>
-              <a:t>12/30/25</a:t>
+              <a:t>1/1/26</a:t>
             </a:fld>
             <a:endParaRPr lang="en-US"/>
           </a:p>
@@ -8686,7 +8576,7 @@
           <a:p>
             <a:fld id="{2B7B7EE0-7771-4CD5-9B2B-3550753A54A1}" type="datetime1">
               <a:rPr lang="en-US" smtClean="0"/>
-              <a:t>12/30/25</a:t>
+              <a:t>1/1/26</a:t>
             </a:fld>
             <a:endParaRPr lang="en-US"/>
           </a:p>
@@ -8997,7 +8887,7 @@
           <a:p>
             <a:fld id="{F8B318B3-0E87-4416-A9B8-D891968C2727}" type="datetime1">
               <a:rPr lang="en-US" smtClean="0"/>
-              <a:t>12/30/25</a:t>
+              <a:t>1/1/26</a:t>
             </a:fld>
             <a:endParaRPr lang="en-US"/>
           </a:p>
@@ -9238,7 +9128,7 @@
           <a:p>
             <a:fld id="{54D997E8-DDEE-43F1-8D9B-F8A1E11DE488}" type="datetime1">
               <a:rPr lang="en-US" smtClean="0"/>
-              <a:t>12/30/25</a:t>
+              <a:t>1/1/26</a:t>
             </a:fld>
             <a:endParaRPr lang="en-US"/>
           </a:p>
@@ -9915,7 +9805,7 @@
         <p:cNvPr id="1" name="">
           <a:extLst>
             <a:ext uri="{FF2B5EF4-FFF2-40B4-BE49-F238E27FC236}">
-              <a16:creationId xmlns:a16="http://schemas.microsoft.com/office/drawing/2014/main" id="{7C850B7A-CE43-9E2E-51B8-3E37D4B92731}"/>
+              <a16:creationId xmlns:a16="http://schemas.microsoft.com/office/drawing/2014/main" id="{86A84FC3-A6B4-8822-C909-3CD80653828E}"/>
             </a:ext>
           </a:extLst>
         </p:cNvPr>
@@ -9935,7 +9825,7 @@
           <p:cNvPr id="2" name="Title 1">
             <a:extLst>
               <a:ext uri="{FF2B5EF4-FFF2-40B4-BE49-F238E27FC236}">
-                <a16:creationId xmlns:a16="http://schemas.microsoft.com/office/drawing/2014/main" id="{F983B157-62A4-F48F-7780-2073E1B3B5A3}"/>
+                <a16:creationId xmlns:a16="http://schemas.microsoft.com/office/drawing/2014/main" id="{9D701C65-CC1F-9000-1092-614014941892}"/>
               </a:ext>
             </a:extLst>
           </p:cNvPr>
@@ -9955,7 +9845,14 @@
           <a:p>
             <a:r>
               <a:rPr lang="en-US" dirty="0"/>
-              <a:t>Requirements gathering frameworks inform the structure and priority of user stories</a:t>
+              <a:t>Requirements Gathering </a:t>
+            </a:r>
+            <a:br>
+              <a:rPr lang="en-US" dirty="0"/>
+            </a:br>
+            <a:r>
+              <a:rPr lang="en-US" dirty="0"/>
+              <a:t>Includes Prioritizing User Stories</a:t>
             </a:r>
           </a:p>
         </p:txBody>
@@ -9965,7 +9862,7 @@
           <p:cNvPr id="3" name="Content Placeholder 2">
             <a:extLst>
               <a:ext uri="{FF2B5EF4-FFF2-40B4-BE49-F238E27FC236}">
-                <a16:creationId xmlns:a16="http://schemas.microsoft.com/office/drawing/2014/main" id="{CD34E7E6-FEBA-DFB9-9FFD-DEA1E020E5C7}"/>
+                <a16:creationId xmlns:a16="http://schemas.microsoft.com/office/drawing/2014/main" id="{81EDFA6D-EF9F-0801-735C-1951861C5215}"/>
               </a:ext>
             </a:extLst>
           </p:cNvPr>
@@ -10006,15 +9903,7 @@
             </a:r>
             <a:r>
               <a:rPr lang="en-US" dirty="0"/>
-              <a:t>within a user story. This is a complex </a:t>
-            </a:r>
-            <a:r>
-              <a:rPr lang="en-US" i="1" dirty="0"/>
-              <a:t>organization</a:t>
-            </a:r>
-            <a:r>
-              <a:rPr lang="en-US" dirty="0"/>
-              <a:t> activity that requires negotiation</a:t>
+              <a:t>within a user story. This is a complex activity that requires negotiation</a:t>
             </a:r>
           </a:p>
           <a:p>
@@ -10046,7 +9935,7 @@
           <p:cNvPr id="4" name="Slide Number Placeholder 3">
             <a:extLst>
               <a:ext uri="{FF2B5EF4-FFF2-40B4-BE49-F238E27FC236}">
-                <a16:creationId xmlns:a16="http://schemas.microsoft.com/office/drawing/2014/main" id="{1008C1D7-917A-DEE4-D430-774352B3D686}"/>
+                <a16:creationId xmlns:a16="http://schemas.microsoft.com/office/drawing/2014/main" id="{67DE1525-B84E-A86B-0756-4C6B0096A17A}"/>
               </a:ext>
             </a:extLst>
           </p:cNvPr>
@@ -10075,7 +9964,7 @@
           <p:cNvPr id="6" name="Rectangle: Diagonal Corners Rounded 6">
             <a:extLst>
               <a:ext uri="{FF2B5EF4-FFF2-40B4-BE49-F238E27FC236}">
-                <a16:creationId xmlns:a16="http://schemas.microsoft.com/office/drawing/2014/main" id="{16E2E723-CBE2-3ABA-08DC-1DB07A9DAD23}"/>
+                <a16:creationId xmlns:a16="http://schemas.microsoft.com/office/drawing/2014/main" id="{522DE6A9-87BA-BB52-96F7-2C8B993D80AD}"/>
               </a:ext>
             </a:extLst>
           </p:cNvPr>
@@ -10138,7 +10027,7 @@
           <p:cNvPr id="7" name="Graphic 6" descr="Flowchart with solid fill">
             <a:extLst>
               <a:ext uri="{FF2B5EF4-FFF2-40B4-BE49-F238E27FC236}">
-                <a16:creationId xmlns:a16="http://schemas.microsoft.com/office/drawing/2014/main" id="{0A33F4F3-52C6-7727-CF33-A622136189A7}"/>
+                <a16:creationId xmlns:a16="http://schemas.microsoft.com/office/drawing/2014/main" id="{08636143-AD77-7AF4-3484-74B1848FD134}"/>
               </a:ext>
             </a:extLst>
           </p:cNvPr>
@@ -10174,7 +10063,7 @@
           <p:cNvPr id="8" name="Rectangle: Diagonal Corners Rounded 13">
             <a:extLst>
               <a:ext uri="{FF2B5EF4-FFF2-40B4-BE49-F238E27FC236}">
-                <a16:creationId xmlns:a16="http://schemas.microsoft.com/office/drawing/2014/main" id="{250D5917-4CC8-A7A8-E776-0DAC0D21D969}"/>
+                <a16:creationId xmlns:a16="http://schemas.microsoft.com/office/drawing/2014/main" id="{E922B852-4704-C27B-4827-EF040C88014C}"/>
               </a:ext>
             </a:extLst>
           </p:cNvPr>
@@ -10183,7 +10072,7 @@
         </p:nvSpPr>
         <p:spPr>
           <a:xfrm>
-            <a:off x="11091395" y="3098470"/>
+            <a:off x="11091395" y="2935298"/>
             <a:ext cx="974267" cy="974267"/>
           </a:xfrm>
           <a:prstGeom prst="round2DiagRect">
@@ -10267,7 +10156,7 @@
           <p:cNvPr id="10" name="Graphic 9" descr="Thought bubble with solid fill">
             <a:extLst>
               <a:ext uri="{FF2B5EF4-FFF2-40B4-BE49-F238E27FC236}">
-                <a16:creationId xmlns:a16="http://schemas.microsoft.com/office/drawing/2014/main" id="{F42536EC-D7D7-285F-5F03-C7155E4F514E}"/>
+                <a16:creationId xmlns:a16="http://schemas.microsoft.com/office/drawing/2014/main" id="{63DCD26A-C485-B032-7BC0-FF88C337574A}"/>
               </a:ext>
             </a:extLst>
           </p:cNvPr>
@@ -10290,7 +10179,7 @@
         </p:blipFill>
         <p:spPr>
           <a:xfrm>
-            <a:off x="11159744" y="3166821"/>
+            <a:off x="11159744" y="3003649"/>
             <a:ext cx="837566" cy="837566"/>
           </a:xfrm>
           <a:prstGeom prst="rect">
@@ -10301,7 +10190,7 @@
     </p:spTree>
     <p:extLst>
       <p:ext uri="{BB962C8B-B14F-4D97-AF65-F5344CB8AC3E}">
-        <p14:creationId xmlns:p14="http://schemas.microsoft.com/office/powerpoint/2010/main" val="879172066"/>
+        <p14:creationId xmlns:p14="http://schemas.microsoft.com/office/powerpoint/2010/main" val="2614843053"/>
       </p:ext>
     </p:extLst>
   </p:cSld>
@@ -10359,14 +10248,14 @@
           <a:p>
             <a:r>
               <a:rPr lang="en-US" dirty="0"/>
-              <a:t>“Building the Right Thing”</a:t>
+              <a:t>Requirements Gathering Example:</a:t>
             </a:r>
             <a:br>
               <a:rPr lang="en-US" dirty="0"/>
             </a:br>
             <a:r>
               <a:rPr lang="en-US" dirty="0"/>
-              <a:t>Necessarily Involves Value Judgments</a:t>
+              <a:t>Value Sensitive Design</a:t>
             </a:r>
           </a:p>
         </p:txBody>
@@ -10401,31 +10290,71 @@
           <a:p>
             <a:r>
               <a:rPr lang="en-US" dirty="0"/>
-              <a:t>Right for whom?</a:t>
+              <a:t>Value Sensitive Design (VSD) is one framework (of many!) for doing requirements gathering</a:t>
             </a:r>
           </a:p>
           <a:p>
             <a:r>
               <a:rPr lang="en-US" dirty="0"/>
-              <a:t>Who benefits?</a:t>
-            </a:r>
-          </a:p>
-          <a:p>
+              <a:t>VSD guides designers and engineers to pay special attention to </a:t>
+            </a:r>
+            <a:r>
+              <a:rPr lang="en-US" b="1" dirty="0"/>
+              <a:t>stakeholders</a:t>
+            </a:r>
             <a:r>
               <a:rPr lang="en-US" dirty="0"/>
-              <a:t>Limitations of budget/time/personnel</a:t>
-            </a:r>
-          </a:p>
-          <a:p>
+              <a:t> and </a:t>
+            </a:r>
+            <a:r>
+              <a:rPr lang="en-US" b="1" dirty="0"/>
+              <a:t>human values </a:t>
+            </a:r>
             <a:r>
               <a:rPr lang="en-US" dirty="0"/>
-              <a:t>Competing/incompatible ideas about what's important</a:t>
+              <a:t>when writing and prioritizing user stories</a:t>
             </a:r>
           </a:p>
           <a:p>
             <a:r>
               <a:rPr lang="en-US" dirty="0"/>
-              <a:t>Competing/incompatible sets of COSs</a:t>
+              <a:t>Combines </a:t>
+            </a:r>
+            <a:r>
+              <a:rPr lang="en-US" b="1" dirty="0">
+                <a:solidFill>
+                  <a:srgbClr val="FF0000"/>
+                </a:solidFill>
+              </a:rPr>
+              <a:t>empirical</a:t>
+            </a:r>
+            <a:r>
+              <a:rPr lang="en-US" dirty="0"/>
+              <a:t>, </a:t>
+            </a:r>
+            <a:r>
+              <a:rPr lang="en-US" b="1" dirty="0">
+                <a:solidFill>
+                  <a:srgbClr val="FF0000"/>
+                </a:solidFill>
+              </a:rPr>
+              <a:t>value</a:t>
+            </a:r>
+            <a:r>
+              <a:rPr lang="en-US" dirty="0"/>
+              <a:t>, and </a:t>
+            </a:r>
+            <a:r>
+              <a:rPr lang="en-US" b="1" dirty="0">
+                <a:solidFill>
+                  <a:srgbClr val="FF0000"/>
+                </a:solidFill>
+              </a:rPr>
+              <a:t>technical</a:t>
+            </a:r>
+            <a:r>
+              <a:rPr lang="en-US" dirty="0"/>
+              <a:t> </a:t>
             </a:r>
           </a:p>
         </p:txBody>
@@ -10454,200 +10383,6 @@
             <a:fld id="{20F37917-FD3A-4669-9018-DA04BCDD3D75}" type="slidenum">
               <a:rPr lang="en-US" smtClean="0"/>
               <a:t>11</a:t>
-            </a:fld>
-            <a:endParaRPr lang="en-US"/>
-          </a:p>
-        </p:txBody>
-      </p:sp>
-    </p:spTree>
-    <p:extLst>
-      <p:ext uri="{BB962C8B-B14F-4D97-AF65-F5344CB8AC3E}">
-        <p14:creationId xmlns:p14="http://schemas.microsoft.com/office/powerpoint/2010/main" val="1101357619"/>
-      </p:ext>
-    </p:extLst>
-  </p:cSld>
-  <p:clrMapOvr>
-    <a:masterClrMapping/>
-  </p:clrMapOvr>
-</p:sld>
-</file>
-
-<file path=ppt/slides/slide12.xml><?xml version="1.0" encoding="utf-8"?>
-<p:sld xmlns:a="http://schemas.openxmlformats.org/drawingml/2006/main" xmlns:r="http://schemas.openxmlformats.org/officeDocument/2006/relationships" xmlns:p="http://schemas.openxmlformats.org/presentationml/2006/main">
-  <p:cSld>
-    <p:spTree>
-      <p:nvGrpSpPr>
-        <p:cNvPr id="1" name="">
-          <a:extLst>
-            <a:ext uri="{FF2B5EF4-FFF2-40B4-BE49-F238E27FC236}">
-              <a16:creationId xmlns:a16="http://schemas.microsoft.com/office/drawing/2014/main" id="{57153868-E65A-896C-92FE-904117C9599C}"/>
-            </a:ext>
-          </a:extLst>
-        </p:cNvPr>
-        <p:cNvGrpSpPr/>
-        <p:nvPr/>
-      </p:nvGrpSpPr>
-      <p:grpSpPr>
-        <a:xfrm>
-          <a:off x="0" y="0"/>
-          <a:ext cx="0" cy="0"/>
-          <a:chOff x="0" y="0"/>
-          <a:chExt cx="0" cy="0"/>
-        </a:xfrm>
-      </p:grpSpPr>
-      <p:sp>
-        <p:nvSpPr>
-          <p:cNvPr id="2" name="Title 1">
-            <a:extLst>
-              <a:ext uri="{FF2B5EF4-FFF2-40B4-BE49-F238E27FC236}">
-                <a16:creationId xmlns:a16="http://schemas.microsoft.com/office/drawing/2014/main" id="{9A59BF54-4996-E976-7162-5E8AE026EE81}"/>
-              </a:ext>
-            </a:extLst>
-          </p:cNvPr>
-          <p:cNvSpPr>
-            <a:spLocks noGrp="1"/>
-          </p:cNvSpPr>
-          <p:nvPr>
-            <p:ph type="title"/>
-          </p:nvPr>
-        </p:nvSpPr>
-        <p:spPr/>
-        <p:txBody>
-          <a:bodyPr>
-            <a:normAutofit/>
-          </a:bodyPr>
-          <a:lstStyle/>
-          <a:p>
-            <a:r>
-              <a:rPr lang="en-US" dirty="0"/>
-              <a:t>Requirements gathering frameworks inform the structure and priority of user stories</a:t>
-            </a:r>
-          </a:p>
-        </p:txBody>
-      </p:sp>
-      <p:sp>
-        <p:nvSpPr>
-          <p:cNvPr id="3" name="Content Placeholder 2">
-            <a:extLst>
-              <a:ext uri="{FF2B5EF4-FFF2-40B4-BE49-F238E27FC236}">
-                <a16:creationId xmlns:a16="http://schemas.microsoft.com/office/drawing/2014/main" id="{883C0B57-32A1-020D-7BDF-BC12E409F16D}"/>
-              </a:ext>
-            </a:extLst>
-          </p:cNvPr>
-          <p:cNvSpPr>
-            <a:spLocks noGrp="1"/>
-          </p:cNvSpPr>
-          <p:nvPr>
-            <p:ph idx="1"/>
-          </p:nvPr>
-        </p:nvSpPr>
-        <p:spPr>
-          <a:xfrm>
-            <a:off x="838200" y="1500160"/>
-            <a:ext cx="10400414" cy="4856190"/>
-          </a:xfrm>
-        </p:spPr>
-        <p:txBody>
-          <a:bodyPr>
-            <a:normAutofit/>
-          </a:bodyPr>
-          <a:lstStyle/>
-          <a:p>
-            <a:r>
-              <a:rPr lang="en-US" dirty="0"/>
-              <a:t>Value Sensitive Design (VSD) is one framework (of many!)</a:t>
-            </a:r>
-          </a:p>
-          <a:p>
-            <a:r>
-              <a:rPr lang="en-US" dirty="0"/>
-              <a:t>VSD guides designers and engineers to pay special attention to </a:t>
-            </a:r>
-            <a:r>
-              <a:rPr lang="en-US" b="1" dirty="0"/>
-              <a:t>stakeholders</a:t>
-            </a:r>
-            <a:r>
-              <a:rPr lang="en-US" dirty="0"/>
-              <a:t> and </a:t>
-            </a:r>
-            <a:r>
-              <a:rPr lang="en-US" b="1" dirty="0"/>
-              <a:t>human values </a:t>
-            </a:r>
-            <a:r>
-              <a:rPr lang="en-US" dirty="0"/>
-              <a:t>when writing and prioritizing user stories</a:t>
-            </a:r>
-          </a:p>
-          <a:p>
-            <a:r>
-              <a:rPr lang="en-US" dirty="0"/>
-              <a:t>Combines </a:t>
-            </a:r>
-            <a:r>
-              <a:rPr lang="en-US" b="1" dirty="0">
-                <a:solidFill>
-                  <a:srgbClr val="FF0000"/>
-                </a:solidFill>
-              </a:rPr>
-              <a:t>empirical</a:t>
-            </a:r>
-            <a:r>
-              <a:rPr lang="en-US" dirty="0"/>
-              <a:t>, </a:t>
-            </a:r>
-            <a:r>
-              <a:rPr lang="en-US" b="1" dirty="0">
-                <a:solidFill>
-                  <a:srgbClr val="FF0000"/>
-                </a:solidFill>
-              </a:rPr>
-              <a:t>value</a:t>
-            </a:r>
-            <a:r>
-              <a:rPr lang="en-US" dirty="0"/>
-              <a:t>, and </a:t>
-            </a:r>
-            <a:r>
-              <a:rPr lang="en-US" b="1" dirty="0">
-                <a:solidFill>
-                  <a:srgbClr val="FF0000"/>
-                </a:solidFill>
-              </a:rPr>
-              <a:t>technical</a:t>
-            </a:r>
-            <a:r>
-              <a:rPr lang="en-US" dirty="0"/>
-              <a:t> </a:t>
-            </a:r>
-          </a:p>
-        </p:txBody>
-      </p:sp>
-      <p:sp>
-        <p:nvSpPr>
-          <p:cNvPr id="4" name="Slide Number Placeholder 3">
-            <a:extLst>
-              <a:ext uri="{FF2B5EF4-FFF2-40B4-BE49-F238E27FC236}">
-                <a16:creationId xmlns:a16="http://schemas.microsoft.com/office/drawing/2014/main" id="{2AB92C93-4088-A5CF-84EB-E05A618D8893}"/>
-              </a:ext>
-            </a:extLst>
-          </p:cNvPr>
-          <p:cNvSpPr>
-            <a:spLocks noGrp="1"/>
-          </p:cNvSpPr>
-          <p:nvPr>
-            <p:ph type="sldNum" sz="quarter" idx="12"/>
-          </p:nvPr>
-        </p:nvSpPr>
-        <p:spPr/>
-        <p:txBody>
-          <a:bodyPr/>
-          <a:lstStyle/>
-          <a:p>
-            <a:fld id="{20F37917-FD3A-4669-9018-DA04BCDD3D75}" type="slidenum">
-              <a:rPr lang="en-US" smtClean="0"/>
-              <a:t>12</a:t>
             </a:fld>
             <a:endParaRPr lang="en-US"/>
           </a:p>
@@ -10666,7 +10401,7 @@
 </p:sld>
 </file>
 
-<file path=ppt/slides/slide13.xml><?xml version="1.0" encoding="utf-8"?>
+<file path=ppt/slides/slide12.xml><?xml version="1.0" encoding="utf-8"?>
 <p:sld xmlns:a="http://schemas.openxmlformats.org/drawingml/2006/main" xmlns:r="http://schemas.openxmlformats.org/officeDocument/2006/relationships" xmlns:p="http://schemas.openxmlformats.org/presentationml/2006/main">
   <p:cSld>
     <p:spTree>
@@ -10857,7 +10592,7 @@
           <a:p>
             <a:fld id="{20F37917-FD3A-4669-9018-DA04BCDD3D75}" type="slidenum">
               <a:rPr lang="en-US" smtClean="0"/>
-              <a:t>13</a:t>
+              <a:t>12</a:t>
             </a:fld>
             <a:endParaRPr lang="en-US"/>
           </a:p>
@@ -11425,7 +11160,7 @@
 </p:sld>
 </file>
 
-<file path=ppt/slides/slide14.xml><?xml version="1.0" encoding="utf-8"?>
+<file path=ppt/slides/slide13.xml><?xml version="1.0" encoding="utf-8"?>
 <p:sld xmlns:a="http://schemas.openxmlformats.org/drawingml/2006/main" xmlns:r="http://schemas.openxmlformats.org/officeDocument/2006/relationships" xmlns:p="http://schemas.openxmlformats.org/presentationml/2006/main">
   <p:cSld>
     <p:spTree>
@@ -11566,7 +11301,7 @@
           <a:p>
             <a:fld id="{20F37917-FD3A-4669-9018-DA04BCDD3D75}" type="slidenum">
               <a:rPr lang="en-US" smtClean="0"/>
-              <a:t>14</a:t>
+              <a:t>13</a:t>
             </a:fld>
             <a:endParaRPr lang="en-US"/>
           </a:p>
@@ -17894,7 +17629,7 @@
           <a:p>
             <a:r>
               <a:rPr lang="en-US" dirty="0"/>
-              <a:t>There are many methodologies for this.</a:t>
+              <a:t>There are many frameworks for capturing requirements.</a:t>
             </a:r>
           </a:p>
           <a:p>
@@ -18338,7 +18073,7 @@
         <p:cNvPr id="1" name="">
           <a:extLst>
             <a:ext uri="{FF2B5EF4-FFF2-40B4-BE49-F238E27FC236}">
-              <a16:creationId xmlns:a16="http://schemas.microsoft.com/office/drawing/2014/main" id="{86A84FC3-A6B4-8822-C909-3CD80653828E}"/>
+              <a16:creationId xmlns:a16="http://schemas.microsoft.com/office/drawing/2014/main" id="{57153868-E65A-896C-92FE-904117C9599C}"/>
             </a:ext>
           </a:extLst>
         </p:cNvPr>
@@ -18358,7 +18093,7 @@
           <p:cNvPr id="2" name="Title 1">
             <a:extLst>
               <a:ext uri="{FF2B5EF4-FFF2-40B4-BE49-F238E27FC236}">
-                <a16:creationId xmlns:a16="http://schemas.microsoft.com/office/drawing/2014/main" id="{9D701C65-CC1F-9000-1092-614014941892}"/>
+                <a16:creationId xmlns:a16="http://schemas.microsoft.com/office/drawing/2014/main" id="{9A59BF54-4996-E976-7162-5E8AE026EE81}"/>
               </a:ext>
             </a:extLst>
           </p:cNvPr>
@@ -18378,7 +18113,14 @@
           <a:p>
             <a:r>
               <a:rPr lang="en-US" dirty="0"/>
-              <a:t>Requirements gathering frameworks inform the structure and priority of user stories</a:t>
+              <a:t>“Building the Right Thing”</a:t>
+            </a:r>
+            <a:br>
+              <a:rPr lang="en-US" dirty="0"/>
+            </a:br>
+            <a:r>
+              <a:rPr lang="en-US" dirty="0"/>
+              <a:t>Necessarily Involves Value Judgments</a:t>
             </a:r>
           </a:p>
         </p:txBody>
@@ -18388,7 +18130,7 @@
           <p:cNvPr id="3" name="Content Placeholder 2">
             <a:extLst>
               <a:ext uri="{FF2B5EF4-FFF2-40B4-BE49-F238E27FC236}">
-                <a16:creationId xmlns:a16="http://schemas.microsoft.com/office/drawing/2014/main" id="{81EDFA6D-EF9F-0801-735C-1951861C5215}"/>
+                <a16:creationId xmlns:a16="http://schemas.microsoft.com/office/drawing/2014/main" id="{883C0B57-32A1-020D-7BDF-BC12E409F16D}"/>
               </a:ext>
             </a:extLst>
           </p:cNvPr>
@@ -18413,53 +18155,31 @@
           <a:p>
             <a:r>
               <a:rPr lang="en-US" dirty="0"/>
-              <a:t>The last lecture covered </a:t>
-            </a:r>
-            <a:r>
-              <a:rPr lang="en-US" b="1" dirty="0"/>
-              <a:t>prioritizing</a:t>
-            </a:r>
+              <a:t>Right for whom?</a:t>
+            </a:r>
+          </a:p>
+          <a:p>
             <a:r>
               <a:rPr lang="en-US" dirty="0"/>
-              <a:t> </a:t>
-            </a:r>
-            <a:r>
-              <a:rPr lang="en-US" b="1" dirty="0"/>
-              <a:t>conditions of satisfaction </a:t>
-            </a:r>
+              <a:t>Who benefits?</a:t>
+            </a:r>
+          </a:p>
+          <a:p>
             <a:r>
               <a:rPr lang="en-US" dirty="0"/>
-              <a:t>within a user story. This is a complex </a:t>
-            </a:r>
-            <a:r>
-              <a:rPr lang="en-US" i="1" dirty="0"/>
-              <a:t>organization</a:t>
-            </a:r>
+              <a:t>Limitations of budget/time/personnel</a:t>
+            </a:r>
+          </a:p>
+          <a:p>
             <a:r>
               <a:rPr lang="en-US" dirty="0"/>
-              <a:t> activity that requires negotiation</a:t>
+              <a:t>Competing/incompatible ideas about what's important</a:t>
             </a:r>
           </a:p>
           <a:p>
             <a:r>
               <a:rPr lang="en-US" dirty="0"/>
-              <a:t>Now we’re talking about </a:t>
-            </a:r>
-            <a:r>
-              <a:rPr lang="en-US" b="1" dirty="0"/>
-              <a:t>prioritizing user stories</a:t>
-            </a:r>
-            <a:r>
-              <a:rPr lang="en-US" dirty="0"/>
-              <a:t>. This is a complex </a:t>
-            </a:r>
-            <a:r>
-              <a:rPr lang="en-US" i="1" dirty="0"/>
-              <a:t>planning activity </a:t>
-            </a:r>
-            <a:r>
-              <a:rPr lang="en-US" dirty="0"/>
-              <a:t>that is constrained by resources (budget, time, personnel) and multiple (competing or incompatible) ideas about what’s important</a:t>
+              <a:t>Competing/incompatible sets of COSs</a:t>
             </a:r>
           </a:p>
         </p:txBody>
@@ -18469,7 +18189,7 @@
           <p:cNvPr id="4" name="Slide Number Placeholder 3">
             <a:extLst>
               <a:ext uri="{FF2B5EF4-FFF2-40B4-BE49-F238E27FC236}">
-                <a16:creationId xmlns:a16="http://schemas.microsoft.com/office/drawing/2014/main" id="{67DE1525-B84E-A86B-0756-4C6B0096A17A}"/>
+                <a16:creationId xmlns:a16="http://schemas.microsoft.com/office/drawing/2014/main" id="{2AB92C93-4088-A5CF-84EB-E05A618D8893}"/>
               </a:ext>
             </a:extLst>
           </p:cNvPr>
@@ -18493,238 +18213,10 @@
           </a:p>
         </p:txBody>
       </p:sp>
-      <p:sp>
-        <p:nvSpPr>
-          <p:cNvPr id="6" name="Rectangle: Diagonal Corners Rounded 6">
-            <a:extLst>
-              <a:ext uri="{FF2B5EF4-FFF2-40B4-BE49-F238E27FC236}">
-                <a16:creationId xmlns:a16="http://schemas.microsoft.com/office/drawing/2014/main" id="{522DE6A9-87BA-BB52-96F7-2C8B993D80AD}"/>
-              </a:ext>
-            </a:extLst>
-          </p:cNvPr>
-          <p:cNvSpPr/>
-          <p:nvPr/>
-        </p:nvSpPr>
-        <p:spPr>
-          <a:xfrm>
-            <a:off x="11091395" y="1652424"/>
-            <a:ext cx="974268" cy="974268"/>
-          </a:xfrm>
-          <a:prstGeom prst="round2DiagRect">
-            <a:avLst>
-              <a:gd name="adj1" fmla="val 29727"/>
-              <a:gd name="adj2" fmla="val 0"/>
-            </a:avLst>
-          </a:prstGeom>
-          <a:solidFill>
-            <a:srgbClr val="00B0F0"/>
-          </a:solidFill>
-        </p:spPr>
-        <p:style>
-          <a:lnRef idx="0">
-            <a:schemeClr val="lt1">
-              <a:alpha val="0"/>
-              <a:hueOff val="0"/>
-              <a:satOff val="0"/>
-              <a:lumOff val="0"/>
-              <a:alphaOff val="0"/>
-            </a:schemeClr>
-          </a:lnRef>
-          <a:fillRef idx="1">
-            <a:schemeClr val="accent2">
-              <a:hueOff val="0"/>
-              <a:satOff val="0"/>
-              <a:lumOff val="0"/>
-              <a:alphaOff val="0"/>
-            </a:schemeClr>
-          </a:fillRef>
-          <a:effectRef idx="0">
-            <a:schemeClr val="accent2">
-              <a:hueOff val="0"/>
-              <a:satOff val="0"/>
-              <a:lumOff val="0"/>
-              <a:alphaOff val="0"/>
-            </a:schemeClr>
-          </a:effectRef>
-          <a:fontRef idx="minor"/>
-        </p:style>
-        <p:txBody>
-          <a:bodyPr/>
-          <a:lstStyle/>
-          <a:p>
-            <a:endParaRPr lang="en-US"/>
-          </a:p>
-        </p:txBody>
-      </p:sp>
-      <p:pic>
-        <p:nvPicPr>
-          <p:cNvPr id="7" name="Graphic 6" descr="Flowchart with solid fill">
-            <a:extLst>
-              <a:ext uri="{FF2B5EF4-FFF2-40B4-BE49-F238E27FC236}">
-                <a16:creationId xmlns:a16="http://schemas.microsoft.com/office/drawing/2014/main" id="{08636143-AD77-7AF4-3484-74B1848FD134}"/>
-              </a:ext>
-            </a:extLst>
-          </p:cNvPr>
-          <p:cNvPicPr>
-            <a:picLocks noChangeAspect="1"/>
-          </p:cNvPicPr>
-          <p:nvPr/>
-        </p:nvPicPr>
-        <p:blipFill>
-          <a:blip r:embed="rId3">
-            <a:extLst>
-              <a:ext uri="{96DAC541-7B7A-43D3-8B79-37D633B846F1}">
-                <asvg:svgBlip xmlns:asvg="http://schemas.microsoft.com/office/drawing/2016/SVG/main" r:embed="rId4"/>
-              </a:ext>
-            </a:extLst>
-          </a:blip>
-          <a:stretch>
-            <a:fillRect/>
-          </a:stretch>
-        </p:blipFill>
-        <p:spPr>
-          <a:xfrm>
-            <a:off x="11127193" y="1682357"/>
-            <a:ext cx="914400" cy="914400"/>
-          </a:xfrm>
-          <a:prstGeom prst="rect">
-            <a:avLst/>
-          </a:prstGeom>
-        </p:spPr>
-      </p:pic>
-      <p:sp>
-        <p:nvSpPr>
-          <p:cNvPr id="8" name="Rectangle: Diagonal Corners Rounded 13">
-            <a:extLst>
-              <a:ext uri="{FF2B5EF4-FFF2-40B4-BE49-F238E27FC236}">
-                <a16:creationId xmlns:a16="http://schemas.microsoft.com/office/drawing/2014/main" id="{E922B852-4704-C27B-4827-EF040C88014C}"/>
-              </a:ext>
-            </a:extLst>
-          </p:cNvPr>
-          <p:cNvSpPr/>
-          <p:nvPr/>
-        </p:nvSpPr>
-        <p:spPr>
-          <a:xfrm>
-            <a:off x="11091395" y="3098470"/>
-            <a:ext cx="974267" cy="974267"/>
-          </a:xfrm>
-          <a:prstGeom prst="round2DiagRect">
-            <a:avLst>
-              <a:gd name="adj1" fmla="val 29727"/>
-              <a:gd name="adj2" fmla="val 0"/>
-            </a:avLst>
-          </a:prstGeom>
-          <a:solidFill>
-            <a:srgbClr val="0070C0"/>
-          </a:solidFill>
-        </p:spPr>
-        <p:style>
-          <a:lnRef idx="0">
-            <a:schemeClr val="lt1">
-              <a:alpha val="0"/>
-              <a:hueOff val="0"/>
-              <a:satOff val="0"/>
-              <a:lumOff val="0"/>
-              <a:alphaOff val="0"/>
-            </a:schemeClr>
-          </a:lnRef>
-          <a:fillRef idx="1">
-            <a:schemeClr val="accent4">
-              <a:hueOff val="0"/>
-              <a:satOff val="0"/>
-              <a:lumOff val="0"/>
-              <a:alphaOff val="0"/>
-            </a:schemeClr>
-          </a:fillRef>
-          <a:effectRef idx="0">
-            <a:schemeClr val="accent4">
-              <a:hueOff val="0"/>
-              <a:satOff val="0"/>
-              <a:lumOff val="0"/>
-              <a:alphaOff val="0"/>
-            </a:schemeClr>
-          </a:effectRef>
-          <a:fontRef idx="minor"/>
-        </p:style>
-        <p:txBody>
-          <a:bodyPr/>
-          <a:lstStyle/>
-          <a:p>
-            <a:pPr marL="0" marR="0" lvl="0" indent="0" algn="l" defTabSz="914400" rtl="0" eaLnBrk="1" fontAlgn="auto" latinLnBrk="0" hangingPunct="1">
-              <a:lnSpc>
-                <a:spcPct val="100000"/>
-              </a:lnSpc>
-              <a:spcBef>
-                <a:spcPts val="0"/>
-              </a:spcBef>
-              <a:spcAft>
-                <a:spcPts val="0"/>
-              </a:spcAft>
-              <a:buClrTx/>
-              <a:buSzTx/>
-              <a:buFontTx/>
-              <a:buNone/>
-              <a:tabLst/>
-              <a:defRPr/>
-            </a:pPr>
-            <a:endParaRPr kumimoji="0" lang="en-US" sz="1800" b="0" i="0" u="none" strike="noStrike" kern="1200" cap="none" spc="0" normalizeH="0" baseline="0" noProof="0">
-              <a:ln>
-                <a:noFill/>
-              </a:ln>
-              <a:solidFill>
-                <a:prstClr val="black"/>
-              </a:solidFill>
-              <a:effectLst/>
-              <a:uLnTx/>
-              <a:uFillTx/>
-              <a:latin typeface="Calibri" panose="020F0502020204030204"/>
-              <a:ea typeface="+mn-ea"/>
-              <a:cs typeface="+mn-cs"/>
-            </a:endParaRPr>
-          </a:p>
-        </p:txBody>
-      </p:sp>
-      <p:pic>
-        <p:nvPicPr>
-          <p:cNvPr id="10" name="Graphic 9" descr="Thought bubble with solid fill">
-            <a:extLst>
-              <a:ext uri="{FF2B5EF4-FFF2-40B4-BE49-F238E27FC236}">
-                <a16:creationId xmlns:a16="http://schemas.microsoft.com/office/drawing/2014/main" id="{63DCD26A-C485-B032-7BC0-FF88C337574A}"/>
-              </a:ext>
-            </a:extLst>
-          </p:cNvPr>
-          <p:cNvPicPr>
-            <a:picLocks noChangeAspect="1"/>
-          </p:cNvPicPr>
-          <p:nvPr/>
-        </p:nvPicPr>
-        <p:blipFill>
-          <a:blip r:embed="rId5">
-            <a:extLst>
-              <a:ext uri="{96DAC541-7B7A-43D3-8B79-37D633B846F1}">
-                <asvg:svgBlip xmlns:asvg="http://schemas.microsoft.com/office/drawing/2016/SVG/main" r:embed="rId6"/>
-              </a:ext>
-            </a:extLst>
-          </a:blip>
-          <a:stretch>
-            <a:fillRect/>
-          </a:stretch>
-        </p:blipFill>
-        <p:spPr>
-          <a:xfrm>
-            <a:off x="11159744" y="3166821"/>
-            <a:ext cx="837566" cy="837566"/>
-          </a:xfrm>
-          <a:prstGeom prst="rect">
-            <a:avLst/>
-          </a:prstGeom>
-        </p:spPr>
-      </p:pic>
     </p:spTree>
     <p:extLst>
       <p:ext uri="{BB962C8B-B14F-4D97-AF65-F5344CB8AC3E}">
-        <p14:creationId xmlns:p14="http://schemas.microsoft.com/office/powerpoint/2010/main" val="2614843053"/>
+        <p14:creationId xmlns:p14="http://schemas.microsoft.com/office/powerpoint/2010/main" val="1101357619"/>
       </p:ext>
     </p:extLst>
   </p:cSld>
